--- a/Learn_inprogress/Onions.pptx
+++ b/Learn_inprogress/Onions.pptx
@@ -107,6 +107,11 @@
       </a:defRPr>
     </a:lvl9pPr>
   </p:defaultTextStyle>
+  <p:extLst>
+    <p:ext uri="{EFAFB233-063F-42B5-8137-9DF3F51BA10A}">
+      <p15:sldGuideLst xmlns:p15="http://schemas.microsoft.com/office/powerpoint/2012/main"/>
+    </p:ext>
+  </p:extLst>
 </p:presentation>
 </file>
 
@@ -15483,7 +15488,7 @@
                 <a:latin typeface="Calibri" panose="020F0502020204030204" pitchFamily="34" charset="0"/>
                 <a:cs typeface="Calibri" panose="020F0502020204030204" pitchFamily="34" charset="0"/>
               </a:rPr>
-              <a:t>Pearl also decreased slightly</a:t>
+              <a:t>Pearl also decreased slightly.</a:t>
             </a:r>
           </a:p>
           <a:p>
@@ -15548,7 +15553,7 @@
                 <a:latin typeface="Calibri" panose="020F0502020204030204" pitchFamily="34" charset="0"/>
                 <a:cs typeface="Calibri" panose="020F0502020204030204" pitchFamily="34" charset="0"/>
               </a:rPr>
-              <a:t>Green, White, and Red seem to be in the next bin, similar sales</a:t>
+              <a:t>Green, White, and Red seem to be in the next bin, similar sales.</a:t>
             </a:r>
           </a:p>
           <a:p>
@@ -15603,10 +15608,10 @@
       </p:sp>
       <p:pic>
         <p:nvPicPr>
-          <p:cNvPr id="21" name="Content Placeholder 20" descr="A screenshot of a computer screen&#10;&#10;Description automatically generated">
+          <p:cNvPr id="5" name="Content Placeholder 4" descr="A screenshot of a video game&#10;&#10;Description automatically generated">
             <a:extLst>
               <a:ext uri="{FF2B5EF4-FFF2-40B4-BE49-F238E27FC236}">
-                <a16:creationId xmlns:a16="http://schemas.microsoft.com/office/drawing/2014/main" id="{D48CA820-6A37-4022-A1A4-D6903D7AD533}"/>
+                <a16:creationId xmlns:a16="http://schemas.microsoft.com/office/drawing/2014/main" id="{8B64E214-5D0D-4047-8790-051899F369D5}"/>
               </a:ext>
             </a:extLst>
           </p:cNvPr>
@@ -15631,8 +15636,8 @@
         </p:blipFill>
         <p:spPr>
           <a:xfrm>
-            <a:off x="679509" y="2235943"/>
-            <a:ext cx="10725668" cy="4622057"/>
+            <a:off x="1107348" y="2304063"/>
+            <a:ext cx="9181684" cy="4553938"/>
           </a:xfrm>
         </p:spPr>
       </p:pic>
@@ -16844,21 +16849,7 @@
                 <a:latin typeface="Calibri" panose="020F0502020204030204" pitchFamily="34" charset="0"/>
                 <a:cs typeface="Calibri" panose="020F0502020204030204" pitchFamily="34" charset="0"/>
               </a:rPr>
-              <a:t>The price per pound of an onion type seems to be related to what type of skew it will have. </a:t>
-            </a:r>
-            <a:r>
-              <a:rPr lang="en-US" sz="1400" dirty="0" err="1">
-                <a:latin typeface="Calibri" panose="020F0502020204030204" pitchFamily="34" charset="0"/>
-                <a:cs typeface="Calibri" panose="020F0502020204030204" pitchFamily="34" charset="0"/>
-              </a:rPr>
-              <a:t>I.e</a:t>
-            </a:r>
-            <a:r>
-              <a:rPr lang="en-US" sz="1400" dirty="0">
-                <a:latin typeface="Calibri" panose="020F0502020204030204" pitchFamily="34" charset="0"/>
-                <a:cs typeface="Calibri" panose="020F0502020204030204" pitchFamily="34" charset="0"/>
-              </a:rPr>
-              <a:t> the higher the average price per pound the greater probability of a left skew.</a:t>
+              <a:t>The price per pound of an onion type seems to be related to what type of skew it will have. I.E the higher the average price per pound the greater probability of a left skew.</a:t>
             </a:r>
           </a:p>
           <a:p>
@@ -16936,7 +16927,7 @@
                 <a:latin typeface="Calibri" panose="020F0502020204030204" pitchFamily="34" charset="0"/>
                 <a:cs typeface="Calibri" panose="020F0502020204030204" pitchFamily="34" charset="0"/>
               </a:rPr>
-              <a:t>Organics are usually more expensive</a:t>
+              <a:t>Organics are usually more expensive.</a:t>
             </a:r>
           </a:p>
         </p:txBody>
@@ -18902,8 +18893,8 @@
         </p:blipFill>
         <p:spPr>
           <a:xfrm>
-            <a:off x="2717" y="-2"/>
-            <a:ext cx="7816336" cy="3876752"/>
+            <a:off x="0" y="0"/>
+            <a:ext cx="8067954" cy="4001550"/>
           </a:xfrm>
           <a:prstGeom prst="rect">
             <a:avLst/>
@@ -18924,8 +18915,8 @@
         </p:nvSpPr>
         <p:spPr>
           <a:xfrm>
-            <a:off x="232088" y="4403590"/>
-            <a:ext cx="4735532" cy="738664"/>
+            <a:off x="8109039" y="98065"/>
+            <a:ext cx="3761383" cy="738664"/>
           </a:xfrm>
           <a:prstGeom prst="rect">
             <a:avLst/>
@@ -18966,8 +18957,8 @@
         </p:nvSpPr>
         <p:spPr>
           <a:xfrm>
-            <a:off x="8182947" y="205273"/>
-            <a:ext cx="3602510" cy="2554545"/>
+            <a:off x="-63432" y="4352773"/>
+            <a:ext cx="4920045" cy="1815882"/>
           </a:xfrm>
           <a:prstGeom prst="rect">
             <a:avLst/>
